--- a/turtle/StarPolygonData.pptx
+++ b/turtle/StarPolygonData.pptx
@@ -259,7 +259,7 @@
           <a:p>
             <a:fld id="{E7AC3E7C-B023-7742-A6F5-B6592420D760}" type="datetimeFigureOut">
               <a:rPr lang="fr-FR" smtClean="0"/>
-              <a:t>18/10/2019</a:t>
+              <a:t>28/10/2019</a:t>
             </a:fld>
             <a:endParaRPr lang="fr-FR"/>
           </a:p>
@@ -432,7 +432,7 @@
           <a:p>
             <a:fld id="{E7AC3E7C-B023-7742-A6F5-B6592420D760}" type="datetimeFigureOut">
               <a:rPr lang="fr-FR" smtClean="0"/>
-              <a:t>18/10/2019</a:t>
+              <a:t>28/10/2019</a:t>
             </a:fld>
             <a:endParaRPr lang="fr-FR"/>
           </a:p>
@@ -615,7 +615,7 @@
           <a:p>
             <a:fld id="{E7AC3E7C-B023-7742-A6F5-B6592420D760}" type="datetimeFigureOut">
               <a:rPr lang="fr-FR" smtClean="0"/>
-              <a:t>18/10/2019</a:t>
+              <a:t>28/10/2019</a:t>
             </a:fld>
             <a:endParaRPr lang="fr-FR"/>
           </a:p>
@@ -788,7 +788,7 @@
           <a:p>
             <a:fld id="{E7AC3E7C-B023-7742-A6F5-B6592420D760}" type="datetimeFigureOut">
               <a:rPr lang="fr-FR" smtClean="0"/>
-              <a:t>18/10/2019</a:t>
+              <a:t>28/10/2019</a:t>
             </a:fld>
             <a:endParaRPr lang="fr-FR"/>
           </a:p>
@@ -1066,7 +1066,7 @@
           <a:p>
             <a:fld id="{E7AC3E7C-B023-7742-A6F5-B6592420D760}" type="datetimeFigureOut">
               <a:rPr lang="fr-FR" smtClean="0"/>
-              <a:t>18/10/2019</a:t>
+              <a:t>28/10/2019</a:t>
             </a:fld>
             <a:endParaRPr lang="fr-FR"/>
           </a:p>
@@ -1281,7 +1281,7 @@
           <a:p>
             <a:fld id="{E7AC3E7C-B023-7742-A6F5-B6592420D760}" type="datetimeFigureOut">
               <a:rPr lang="fr-FR" smtClean="0"/>
-              <a:t>18/10/2019</a:t>
+              <a:t>28/10/2019</a:t>
             </a:fld>
             <a:endParaRPr lang="fr-FR"/>
           </a:p>
@@ -1649,7 +1649,7 @@
           <a:p>
             <a:fld id="{E7AC3E7C-B023-7742-A6F5-B6592420D760}" type="datetimeFigureOut">
               <a:rPr lang="fr-FR" smtClean="0"/>
-              <a:t>18/10/2019</a:t>
+              <a:t>28/10/2019</a:t>
             </a:fld>
             <a:endParaRPr lang="fr-FR"/>
           </a:p>
@@ -1790,7 +1790,7 @@
           <a:p>
             <a:fld id="{E7AC3E7C-B023-7742-A6F5-B6592420D760}" type="datetimeFigureOut">
               <a:rPr lang="fr-FR" smtClean="0"/>
-              <a:t>18/10/2019</a:t>
+              <a:t>28/10/2019</a:t>
             </a:fld>
             <a:endParaRPr lang="fr-FR"/>
           </a:p>
@@ -1903,7 +1903,7 @@
           <a:p>
             <a:fld id="{E7AC3E7C-B023-7742-A6F5-B6592420D760}" type="datetimeFigureOut">
               <a:rPr lang="fr-FR" smtClean="0"/>
-              <a:t>18/10/2019</a:t>
+              <a:t>28/10/2019</a:t>
             </a:fld>
             <a:endParaRPr lang="fr-FR"/>
           </a:p>
@@ -2192,7 +2192,7 @@
           <a:p>
             <a:fld id="{E7AC3E7C-B023-7742-A6F5-B6592420D760}" type="datetimeFigureOut">
               <a:rPr lang="fr-FR" smtClean="0"/>
-              <a:t>18/10/2019</a:t>
+              <a:t>28/10/2019</a:t>
             </a:fld>
             <a:endParaRPr lang="fr-FR"/>
           </a:p>
@@ -2483,7 +2483,7 @@
           <a:p>
             <a:fld id="{E7AC3E7C-B023-7742-A6F5-B6592420D760}" type="datetimeFigureOut">
               <a:rPr lang="fr-FR" smtClean="0"/>
-              <a:t>18/10/2019</a:t>
+              <a:t>28/10/2019</a:t>
             </a:fld>
             <a:endParaRPr lang="fr-FR"/>
           </a:p>
@@ -2699,7 +2699,7 @@
           <a:p>
             <a:fld id="{E7AC3E7C-B023-7742-A6F5-B6592420D760}" type="datetimeFigureOut">
               <a:rPr lang="fr-FR" smtClean="0"/>
-              <a:t>18/10/2019</a:t>
+              <a:t>28/10/2019</a:t>
             </a:fld>
             <a:endParaRPr lang="fr-FR"/>
           </a:p>
@@ -3524,23 +3524,7 @@
                   <a:srgbClr val="C73EFF"/>
                 </a:solidFill>
               </a:rPr>
-              <a:t>𝜌 = </a:t>
-            </a:r>
-            <a:r>
-              <a:rPr lang="en-US" sz="1200" dirty="0" err="1">
-                <a:solidFill>
-                  <a:srgbClr val="C73EFF"/>
-                </a:solidFill>
-              </a:rPr>
-              <a:t>acos</a:t>
-            </a:r>
-            <a:r>
-              <a:rPr lang="en-US" sz="1200" dirty="0">
-                <a:solidFill>
-                  <a:srgbClr val="C73EFF"/>
-                </a:solidFill>
-              </a:rPr>
-              <a:t>(s / (2 * u))</a:t>
+              <a:t>𝜌 = acos(s / (2 * u))</a:t>
             </a:r>
           </a:p>
           <a:p>
